--- a/CGH.pptx
+++ b/CGH.pptx
@@ -115,6 +115,43 @@
 </p:presentation>
 </file>
 
+<file path=ppt/changesInfos/changesInfo1.xml><?xml version="1.0" encoding="utf-8"?>
+<pc:chgInfo xmlns:a="http://schemas.openxmlformats.org/drawingml/2006/main" xmlns:r="http://schemas.openxmlformats.org/officeDocument/2006/relationships" xmlns:ac="http://schemas.microsoft.com/office/drawing/2013/main/command" xmlns:pc="http://schemas.microsoft.com/office/powerpoint/2013/main/command">
+  <pc:docChgLst>
+    <pc:chgData name="b2181220　b2181220" userId="c90bab79-1840-43b9-a0f1-7e41da8d9cba" providerId="ADAL" clId="{96581460-0016-4953-99E4-60F7F2365992}"/>
+    <pc:docChg chg="undo modSld">
+      <pc:chgData name="b2181220　b2181220" userId="c90bab79-1840-43b9-a0f1-7e41da8d9cba" providerId="ADAL" clId="{96581460-0016-4953-99E4-60F7F2365992}" dt="2022-02-09T09:26:21.826" v="4" actId="1076"/>
+      <pc:docMkLst>
+        <pc:docMk/>
+      </pc:docMkLst>
+      <pc:sldChg chg="modSp">
+        <pc:chgData name="b2181220　b2181220" userId="c90bab79-1840-43b9-a0f1-7e41da8d9cba" providerId="ADAL" clId="{96581460-0016-4953-99E4-60F7F2365992}" dt="2022-02-09T09:26:21.826" v="4" actId="1076"/>
+        <pc:sldMkLst>
+          <pc:docMk/>
+          <pc:sldMk cId="997276135" sldId="257"/>
+        </pc:sldMkLst>
+        <pc:spChg chg="mod">
+          <ac:chgData name="b2181220　b2181220" userId="c90bab79-1840-43b9-a0f1-7e41da8d9cba" providerId="ADAL" clId="{96581460-0016-4953-99E4-60F7F2365992}" dt="2022-02-09T06:03:33.827" v="2" actId="1076"/>
+          <ac:spMkLst>
+            <pc:docMk/>
+            <pc:sldMk cId="997276135" sldId="257"/>
+            <ac:spMk id="3" creationId="{185F2F59-3876-0349-BE8F-437ACA872C0F}"/>
+          </ac:spMkLst>
+        </pc:spChg>
+        <pc:picChg chg="mod">
+          <ac:chgData name="b2181220　b2181220" userId="c90bab79-1840-43b9-a0f1-7e41da8d9cba" providerId="ADAL" clId="{96581460-0016-4953-99E4-60F7F2365992}" dt="2022-02-09T09:26:21.826" v="4" actId="1076"/>
+          <ac:picMkLst>
+            <pc:docMk/>
+            <pc:sldMk cId="997276135" sldId="257"/>
+            <ac:picMk id="15" creationId="{86AA9FBB-5C57-F342-936A-C50893CEEB1F}"/>
+          </ac:picMkLst>
+        </pc:picChg>
+      </pc:sldChg>
+    </pc:docChg>
+  </pc:docChgLst>
+</pc:chgInfo>
+</file>
+
 <file path=ppt/slideLayouts/slideLayout1.xml><?xml version="1.0" encoding="utf-8"?>
 <p:sldLayout xmlns:a="http://schemas.openxmlformats.org/drawingml/2006/main" xmlns:r="http://schemas.openxmlformats.org/officeDocument/2006/relationships" xmlns:p="http://schemas.openxmlformats.org/presentationml/2006/main" type="title" preserve="1">
   <p:cSld name="タイトル スライド">
@@ -262,7 +299,7 @@
           <a:p>
             <a:fld id="{E50775CA-4F25-184E-944B-684F61A57461}" type="datetimeFigureOut">
               <a:rPr kumimoji="1" lang="ja-JP" altLang="en-US" smtClean="0"/>
-              <a:t>2021/7/19</a:t>
+              <a:t>2022/2/9</a:t>
             </a:fld>
             <a:endParaRPr kumimoji="1" lang="ja-JP" altLang="en-US"/>
           </a:p>
@@ -492,7 +529,7 @@
           <a:p>
             <a:fld id="{E50775CA-4F25-184E-944B-684F61A57461}" type="datetimeFigureOut">
               <a:rPr kumimoji="1" lang="ja-JP" altLang="en-US" smtClean="0"/>
-              <a:t>2021/7/19</a:t>
+              <a:t>2022/2/9</a:t>
             </a:fld>
             <a:endParaRPr kumimoji="1" lang="ja-JP" altLang="en-US"/>
           </a:p>
@@ -732,7 +769,7 @@
           <a:p>
             <a:fld id="{E50775CA-4F25-184E-944B-684F61A57461}" type="datetimeFigureOut">
               <a:rPr kumimoji="1" lang="ja-JP" altLang="en-US" smtClean="0"/>
-              <a:t>2021/7/19</a:t>
+              <a:t>2022/2/9</a:t>
             </a:fld>
             <a:endParaRPr kumimoji="1" lang="ja-JP" altLang="en-US"/>
           </a:p>
@@ -962,7 +999,7 @@
           <a:p>
             <a:fld id="{E50775CA-4F25-184E-944B-684F61A57461}" type="datetimeFigureOut">
               <a:rPr kumimoji="1" lang="ja-JP" altLang="en-US" smtClean="0"/>
-              <a:t>2021/7/19</a:t>
+              <a:t>2022/2/9</a:t>
             </a:fld>
             <a:endParaRPr kumimoji="1" lang="ja-JP" altLang="en-US"/>
           </a:p>
@@ -1237,7 +1274,7 @@
           <a:p>
             <a:fld id="{E50775CA-4F25-184E-944B-684F61A57461}" type="datetimeFigureOut">
               <a:rPr kumimoji="1" lang="ja-JP" altLang="en-US" smtClean="0"/>
-              <a:t>2021/7/19</a:t>
+              <a:t>2022/2/9</a:t>
             </a:fld>
             <a:endParaRPr kumimoji="1" lang="ja-JP" altLang="en-US"/>
           </a:p>
@@ -1566,7 +1603,7 @@
           <a:p>
             <a:fld id="{E50775CA-4F25-184E-944B-684F61A57461}" type="datetimeFigureOut">
               <a:rPr kumimoji="1" lang="ja-JP" altLang="en-US" smtClean="0"/>
-              <a:t>2021/7/19</a:t>
+              <a:t>2022/2/9</a:t>
             </a:fld>
             <a:endParaRPr kumimoji="1" lang="ja-JP" altLang="en-US"/>
           </a:p>
@@ -2042,7 +2079,7 @@
           <a:p>
             <a:fld id="{E50775CA-4F25-184E-944B-684F61A57461}" type="datetimeFigureOut">
               <a:rPr kumimoji="1" lang="ja-JP" altLang="en-US" smtClean="0"/>
-              <a:t>2021/7/19</a:t>
+              <a:t>2022/2/9</a:t>
             </a:fld>
             <a:endParaRPr kumimoji="1" lang="ja-JP" altLang="en-US"/>
           </a:p>
@@ -2183,7 +2220,7 @@
           <a:p>
             <a:fld id="{E50775CA-4F25-184E-944B-684F61A57461}" type="datetimeFigureOut">
               <a:rPr kumimoji="1" lang="ja-JP" altLang="en-US" smtClean="0"/>
-              <a:t>2021/7/19</a:t>
+              <a:t>2022/2/9</a:t>
             </a:fld>
             <a:endParaRPr kumimoji="1" lang="ja-JP" altLang="en-US"/>
           </a:p>
@@ -2296,7 +2333,7 @@
           <a:p>
             <a:fld id="{E50775CA-4F25-184E-944B-684F61A57461}" type="datetimeFigureOut">
               <a:rPr kumimoji="1" lang="ja-JP" altLang="en-US" smtClean="0"/>
-              <a:t>2021/7/19</a:t>
+              <a:t>2022/2/9</a:t>
             </a:fld>
             <a:endParaRPr kumimoji="1" lang="ja-JP" altLang="en-US"/>
           </a:p>
@@ -2639,7 +2676,7 @@
           <a:p>
             <a:fld id="{E50775CA-4F25-184E-944B-684F61A57461}" type="datetimeFigureOut">
               <a:rPr kumimoji="1" lang="ja-JP" altLang="en-US" smtClean="0"/>
-              <a:t>2021/7/19</a:t>
+              <a:t>2022/2/9</a:t>
             </a:fld>
             <a:endParaRPr kumimoji="1" lang="ja-JP" altLang="en-US"/>
           </a:p>
@@ -2927,7 +2964,7 @@
           <a:p>
             <a:fld id="{E50775CA-4F25-184E-944B-684F61A57461}" type="datetimeFigureOut">
               <a:rPr kumimoji="1" lang="ja-JP" altLang="en-US" smtClean="0"/>
-              <a:t>2021/7/19</a:t>
+              <a:t>2022/2/9</a:t>
             </a:fld>
             <a:endParaRPr kumimoji="1" lang="ja-JP" altLang="en-US"/>
           </a:p>
@@ -3200,7 +3237,7 @@
           <a:p>
             <a:fld id="{E50775CA-4F25-184E-944B-684F61A57461}" type="datetimeFigureOut">
               <a:rPr kumimoji="1" lang="ja-JP" altLang="en-US" smtClean="0"/>
-              <a:t>2021/7/19</a:t>
+              <a:t>2022/2/9</a:t>
             </a:fld>
             <a:endParaRPr kumimoji="1" lang="ja-JP" altLang="en-US"/>
           </a:p>
@@ -4894,7 +4931,7 @@
         </p:nvSpPr>
         <p:spPr>
           <a:xfrm>
-            <a:off x="798787" y="1240220"/>
+            <a:off x="798786" y="1361100"/>
             <a:ext cx="6309379" cy="1015663"/>
           </a:xfrm>
           <a:prstGeom prst="rect">
@@ -4909,10 +4946,10 @@
           <a:lstStyle/>
           <a:p>
             <a:r>
-              <a:rPr lang="ja-JP" altLang="en-US" sz="2000"/>
+              <a:rPr lang="ja-JP" altLang="en-US" sz="2000" dirty="0"/>
               <a:t>物体光と参照光の相互の干渉によって、所定の再生像が得られるように光学基板上に干渉縞を記録する光学素子。</a:t>
             </a:r>
-            <a:endParaRPr kumimoji="1" lang="ja-JP" altLang="en-US" sz="2000"/>
+            <a:endParaRPr kumimoji="1" lang="ja-JP" altLang="en-US" sz="2000" dirty="0"/>
           </a:p>
         </p:txBody>
       </p:sp>
@@ -5713,6 +5750,21 @@
 </file>
 
 <file path=customXml/item1.xml><?xml version="1.0" encoding="utf-8"?>
+<p:properties xmlns:p="http://schemas.microsoft.com/office/2006/metadata/properties" xmlns:xsi="http://www.w3.org/2001/XMLSchema-instance" xmlns:pc="http://schemas.microsoft.com/office/infopath/2007/PartnerControls">
+  <documentManagement/>
+</p:properties>
+</file>
+
+<file path=customXml/item2.xml><?xml version="1.0" encoding="utf-8"?>
+<?mso-contentType ?>
+<FormTemplates xmlns="http://schemas.microsoft.com/sharepoint/v3/contenttype/forms">
+  <Display>DocumentLibraryForm</Display>
+  <Edit>DocumentLibraryForm</Edit>
+  <New>DocumentLibraryForm</New>
+</FormTemplates>
+</file>
+
+<file path=customXml/item3.xml><?xml version="1.0" encoding="utf-8"?>
 <ct:contentTypeSchema xmlns:ct="http://schemas.microsoft.com/office/2006/metadata/contentType" xmlns:ma="http://schemas.microsoft.com/office/2006/metadata/properties/metaAttributes" ct:_="" ma:_="" ma:contentTypeName="ドキュメント" ma:contentTypeID="0x010100AED656AC040CFE4FAC55C3A5F9CCE136" ma:contentTypeVersion="4" ma:contentTypeDescription="新しいドキュメントを作成します。" ma:contentTypeScope="" ma:versionID="d57c422683f3b3185e8ed3c3903d9c9e">
   <xsd:schema xmlns:xsd="http://www.w3.org/2001/XMLSchema" xmlns:xs="http://www.w3.org/2001/XMLSchema" xmlns:p="http://schemas.microsoft.com/office/2006/metadata/properties" xmlns:ns3="85dbe952-9519-4b7c-a806-ae1a2e5116f7" targetNamespace="http://schemas.microsoft.com/office/2006/metadata/properties" ma:root="true" ma:fieldsID="051f3f73d537b7dca0248bfe9f79221c" ns3:_="">
     <xsd:import namespace="85dbe952-9519-4b7c-a806-ae1a2e5116f7"/>
@@ -5858,22 +5910,31 @@
 </ct:contentTypeSchema>
 </file>
 
-<file path=customXml/item2.xml><?xml version="1.0" encoding="utf-8"?>
-<?mso-contentType ?>
-<FormTemplates xmlns="http://schemas.microsoft.com/sharepoint/v3/contenttype/forms">
-  <Display>DocumentLibraryForm</Display>
-  <Edit>DocumentLibraryForm</Edit>
-  <New>DocumentLibraryForm</New>
-</FormTemplates>
+<file path=customXml/itemProps1.xml><?xml version="1.0" encoding="utf-8"?>
+<ds:datastoreItem xmlns:ds="http://schemas.openxmlformats.org/officeDocument/2006/customXml" ds:itemID="{A2711469-928B-48EB-945F-2D649D650B51}">
+  <ds:schemaRefs>
+    <ds:schemaRef ds:uri="http://purl.org/dc/elements/1.1/"/>
+    <ds:schemaRef ds:uri="http://schemas.microsoft.com/office/2006/documentManagement/types"/>
+    <ds:schemaRef ds:uri="http://schemas.microsoft.com/office/2006/metadata/properties"/>
+    <ds:schemaRef ds:uri="http://purl.org/dc/dcmitype/"/>
+    <ds:schemaRef ds:uri="http://purl.org/dc/terms/"/>
+    <ds:schemaRef ds:uri="http://schemas.openxmlformats.org/package/2006/metadata/core-properties"/>
+    <ds:schemaRef ds:uri="http://schemas.microsoft.com/office/infopath/2007/PartnerControls"/>
+    <ds:schemaRef ds:uri="85dbe952-9519-4b7c-a806-ae1a2e5116f7"/>
+    <ds:schemaRef ds:uri="http://www.w3.org/XML/1998/namespace"/>
+  </ds:schemaRefs>
+</ds:datastoreItem>
 </file>
 
-<file path=customXml/item3.xml><?xml version="1.0" encoding="utf-8"?>
-<p:properties xmlns:p="http://schemas.microsoft.com/office/2006/metadata/properties" xmlns:xsi="http://www.w3.org/2001/XMLSchema-instance" xmlns:pc="http://schemas.microsoft.com/office/infopath/2007/PartnerControls">
-  <documentManagement/>
-</p:properties>
+<file path=customXml/itemProps2.xml><?xml version="1.0" encoding="utf-8"?>
+<ds:datastoreItem xmlns:ds="http://schemas.openxmlformats.org/officeDocument/2006/customXml" ds:itemID="{6146D5DD-5EEC-4F02-8BC3-8BAC7FB8BEFE}">
+  <ds:schemaRefs>
+    <ds:schemaRef ds:uri="http://schemas.microsoft.com/sharepoint/v3/contenttype/forms"/>
+  </ds:schemaRefs>
+</ds:datastoreItem>
 </file>
 
-<file path=customXml/itemProps1.xml><?xml version="1.0" encoding="utf-8"?>
+<file path=customXml/itemProps3.xml><?xml version="1.0" encoding="utf-8"?>
 <ds:datastoreItem xmlns:ds="http://schemas.openxmlformats.org/officeDocument/2006/customXml" ds:itemID="{75099E3F-4E66-480D-AB8D-748731C78A83}">
   <ds:schemaRefs>
     <ds:schemaRef ds:uri="http://schemas.microsoft.com/office/2006/metadata/contentType"/>
@@ -5889,28 +5950,4 @@
     <ds:schemaRef ds:uri="http://schemas.microsoft.com/internal/obd"/>
   </ds:schemaRefs>
 </ds:datastoreItem>
-</file>
-
-<file path=customXml/itemProps2.xml><?xml version="1.0" encoding="utf-8"?>
-<ds:datastoreItem xmlns:ds="http://schemas.openxmlformats.org/officeDocument/2006/customXml" ds:itemID="{6146D5DD-5EEC-4F02-8BC3-8BAC7FB8BEFE}">
-  <ds:schemaRefs>
-    <ds:schemaRef ds:uri="http://schemas.microsoft.com/sharepoint/v3/contenttype/forms"/>
-  </ds:schemaRefs>
-</ds:datastoreItem>
-</file>
-
-<file path=customXml/itemProps3.xml><?xml version="1.0" encoding="utf-8"?>
-<ds:datastoreItem xmlns:ds="http://schemas.openxmlformats.org/officeDocument/2006/customXml" ds:itemID="{A2711469-928B-48EB-945F-2D649D650B51}">
-  <ds:schemaRefs>
-    <ds:schemaRef ds:uri="http://purl.org/dc/terms/"/>
-    <ds:schemaRef ds:uri="http://www.w3.org/XML/1998/namespace"/>
-    <ds:schemaRef ds:uri="http://schemas.microsoft.com/office/2006/documentManagement/types"/>
-    <ds:schemaRef ds:uri="http://schemas.openxmlformats.org/package/2006/metadata/core-properties"/>
-    <ds:schemaRef ds:uri="http://purl.org/dc/elements/1.1/"/>
-    <ds:schemaRef ds:uri="http://schemas.microsoft.com/office/2006/metadata/properties"/>
-    <ds:schemaRef ds:uri="85dbe952-9519-4b7c-a806-ae1a2e5116f7"/>
-    <ds:schemaRef ds:uri="http://schemas.microsoft.com/office/infopath/2007/PartnerControls"/>
-    <ds:schemaRef ds:uri="http://purl.org/dc/dcmitype/"/>
-  </ds:schemaRefs>
-</ds:datastoreItem>
 </file>